--- a/Digital system Design flow.pptx
+++ b/Digital system Design flow.pptx
@@ -26,7 +26,9 @@
     <p:sldId id="268" r:id="rId20"/>
     <p:sldId id="270" r:id="rId21"/>
     <p:sldId id="271" r:id="rId22"/>
-    <p:sldId id="275" r:id="rId23"/>
+    <p:sldId id="278" r:id="rId23"/>
+    <p:sldId id="279" r:id="rId24"/>
+    <p:sldId id="275" r:id="rId25"/>
   </p:sldIdLst>
   <p:sldSz cx="12192000" cy="6858000"/>
   <p:notesSz cx="6858000" cy="9144000"/>
@@ -125,6 +127,11 @@
       </a:defRPr>
     </a:lvl9pPr>
   </p:defaultTextStyle>
+  <p:extLst>
+    <p:ext uri="{EFAFB233-063F-42B5-8137-9DF3F51BA10A}">
+      <p15:sldGuideLst xmlns:p15="http://schemas.microsoft.com/office/powerpoint/2012/main"/>
+    </p:ext>
+  </p:extLst>
 </p:presentation>
 </file>
 
@@ -459,7 +466,7 @@
           <a:p>
             <a:fld id="{78E95EFF-C223-4FE8-93CC-5F80D26EB579}" type="datetimeFigureOut">
               <a:rPr lang="en-CA" smtClean="0"/>
-              <a:t>2023-09-06</a:t>
+              <a:t>2023-09-08</a:t>
             </a:fld>
             <a:endParaRPr lang="en-CA"/>
           </a:p>
@@ -783,7 +790,7 @@
           <a:p>
             <a:fld id="{78E95EFF-C223-4FE8-93CC-5F80D26EB579}" type="datetimeFigureOut">
               <a:rPr lang="en-CA" smtClean="0"/>
-              <a:t>2023-09-06</a:t>
+              <a:t>2023-09-08</a:t>
             </a:fld>
             <a:endParaRPr lang="en-CA"/>
           </a:p>
@@ -1031,7 +1038,7 @@
           <a:p>
             <a:fld id="{78E95EFF-C223-4FE8-93CC-5F80D26EB579}" type="datetimeFigureOut">
               <a:rPr lang="en-CA" smtClean="0"/>
-              <a:t>2023-09-06</a:t>
+              <a:t>2023-09-08</a:t>
             </a:fld>
             <a:endParaRPr lang="en-CA"/>
           </a:p>
@@ -1370,7 +1377,7 @@
           <a:p>
             <a:fld id="{78E95EFF-C223-4FE8-93CC-5F80D26EB579}" type="datetimeFigureOut">
               <a:rPr lang="en-CA" smtClean="0"/>
-              <a:t>2023-09-06</a:t>
+              <a:t>2023-09-08</a:t>
             </a:fld>
             <a:endParaRPr lang="en-CA"/>
           </a:p>
@@ -1717,7 +1724,7 @@
           <a:p>
             <a:fld id="{78E95EFF-C223-4FE8-93CC-5F80D26EB579}" type="datetimeFigureOut">
               <a:rPr lang="en-CA" smtClean="0"/>
-              <a:t>2023-09-06</a:t>
+              <a:t>2023-09-08</a:t>
             </a:fld>
             <a:endParaRPr lang="en-CA"/>
           </a:p>
@@ -2091,7 +2098,7 @@
           <a:p>
             <a:fld id="{78E95EFF-C223-4FE8-93CC-5F80D26EB579}" type="datetimeFigureOut">
               <a:rPr lang="en-CA" smtClean="0"/>
-              <a:t>2023-09-06</a:t>
+              <a:t>2023-09-08</a:t>
             </a:fld>
             <a:endParaRPr lang="en-CA"/>
           </a:p>
@@ -2561,7 +2568,7 @@
           <a:p>
             <a:fld id="{78E95EFF-C223-4FE8-93CC-5F80D26EB579}" type="datetimeFigureOut">
               <a:rPr lang="en-CA" smtClean="0"/>
-              <a:t>2023-09-06</a:t>
+              <a:t>2023-09-08</a:t>
             </a:fld>
             <a:endParaRPr lang="en-CA"/>
           </a:p>
@@ -2766,7 +2773,7 @@
           <a:p>
             <a:fld id="{78E95EFF-C223-4FE8-93CC-5F80D26EB579}" type="datetimeFigureOut">
               <a:rPr lang="en-CA" smtClean="0"/>
-              <a:t>2023-09-06</a:t>
+              <a:t>2023-09-08</a:t>
             </a:fld>
             <a:endParaRPr lang="en-CA"/>
           </a:p>
@@ -2977,7 +2984,7 @@
           <a:p>
             <a:fld id="{78E95EFF-C223-4FE8-93CC-5F80D26EB579}" type="datetimeFigureOut">
               <a:rPr lang="en-CA" smtClean="0"/>
-              <a:t>2023-09-06</a:t>
+              <a:t>2023-09-08</a:t>
             </a:fld>
             <a:endParaRPr lang="en-CA"/>
           </a:p>
@@ -3209,7 +3216,7 @@
           <a:p>
             <a:fld id="{78E95EFF-C223-4FE8-93CC-5F80D26EB579}" type="datetimeFigureOut">
               <a:rPr lang="en-CA" smtClean="0"/>
-              <a:t>2023-09-06</a:t>
+              <a:t>2023-09-08</a:t>
             </a:fld>
             <a:endParaRPr lang="en-CA"/>
           </a:p>
@@ -3457,7 +3464,7 @@
           <a:p>
             <a:fld id="{78E95EFF-C223-4FE8-93CC-5F80D26EB579}" type="datetimeFigureOut">
               <a:rPr lang="en-CA" smtClean="0"/>
-              <a:t>2023-09-06</a:t>
+              <a:t>2023-09-08</a:t>
             </a:fld>
             <a:endParaRPr lang="en-CA"/>
           </a:p>
@@ -3755,7 +3762,7 @@
           <a:p>
             <a:fld id="{78E95EFF-C223-4FE8-93CC-5F80D26EB579}" type="datetimeFigureOut">
               <a:rPr lang="en-CA" smtClean="0"/>
-              <a:t>2023-09-06</a:t>
+              <a:t>2023-09-08</a:t>
             </a:fld>
             <a:endParaRPr lang="en-CA"/>
           </a:p>
@@ -4149,7 +4156,7 @@
           <a:p>
             <a:fld id="{78E95EFF-C223-4FE8-93CC-5F80D26EB579}" type="datetimeFigureOut">
               <a:rPr lang="en-CA" smtClean="0"/>
-              <a:t>2023-09-06</a:t>
+              <a:t>2023-09-08</a:t>
             </a:fld>
             <a:endParaRPr lang="en-CA"/>
           </a:p>
@@ -4298,7 +4305,7 @@
           <a:p>
             <a:fld id="{78E95EFF-C223-4FE8-93CC-5F80D26EB579}" type="datetimeFigureOut">
               <a:rPr lang="en-CA" smtClean="0"/>
-              <a:t>2023-09-06</a:t>
+              <a:t>2023-09-08</a:t>
             </a:fld>
             <a:endParaRPr lang="en-CA"/>
           </a:p>
@@ -4424,7 +4431,7 @@
           <a:p>
             <a:fld id="{78E95EFF-C223-4FE8-93CC-5F80D26EB579}" type="datetimeFigureOut">
               <a:rPr lang="en-CA" smtClean="0"/>
-              <a:t>2023-09-06</a:t>
+              <a:t>2023-09-08</a:t>
             </a:fld>
             <a:endParaRPr lang="en-CA"/>
           </a:p>
@@ -4679,7 +4686,7 @@
           <a:p>
             <a:fld id="{78E95EFF-C223-4FE8-93CC-5F80D26EB579}" type="datetimeFigureOut">
               <a:rPr lang="en-CA" smtClean="0"/>
-              <a:t>2023-09-06</a:t>
+              <a:t>2023-09-08</a:t>
             </a:fld>
             <a:endParaRPr lang="en-CA"/>
           </a:p>
@@ -4994,7 +5001,7 @@
           <a:p>
             <a:fld id="{78E95EFF-C223-4FE8-93CC-5F80D26EB579}" type="datetimeFigureOut">
               <a:rPr lang="en-CA" smtClean="0"/>
-              <a:t>2023-09-06</a:t>
+              <a:t>2023-09-08</a:t>
             </a:fld>
             <a:endParaRPr lang="en-CA"/>
           </a:p>
@@ -5345,7 +5352,7 @@
           <a:p>
             <a:fld id="{78E95EFF-C223-4FE8-93CC-5F80D26EB579}" type="datetimeFigureOut">
               <a:rPr lang="en-CA" smtClean="0"/>
-              <a:t>2023-09-06</a:t>
+              <a:t>2023-09-08</a:t>
             </a:fld>
             <a:endParaRPr lang="en-CA"/>
           </a:p>
@@ -6368,7 +6375,21 @@
                 <a:latin typeface="Times New Roman" panose="02020603050405020304" pitchFamily="18" charset="0"/>
                 <a:cs typeface="Times New Roman" panose="02020603050405020304" pitchFamily="18" charset="0"/>
               </a:rPr>
-              <a:t>Basic Functional blocks of digital system</a:t>
+              <a:t>Basic </a:t>
+            </a:r>
+            <a:r>
+              <a:rPr lang="en-US" dirty="0" smtClean="0">
+                <a:latin typeface="Times New Roman" panose="02020603050405020304" pitchFamily="18" charset="0"/>
+                <a:cs typeface="Times New Roman" panose="02020603050405020304" pitchFamily="18" charset="0"/>
+              </a:rPr>
+              <a:t>Components of </a:t>
+            </a:r>
+            <a:r>
+              <a:rPr lang="en-US" dirty="0" smtClean="0">
+                <a:latin typeface="Times New Roman" panose="02020603050405020304" pitchFamily="18" charset="0"/>
+                <a:cs typeface="Times New Roman" panose="02020603050405020304" pitchFamily="18" charset="0"/>
+              </a:rPr>
+              <a:t>digital system</a:t>
             </a:r>
             <a:br>
               <a:rPr lang="en-US" dirty="0" smtClean="0">
@@ -6400,9 +6421,16 @@
             <p:ph idx="1"/>
           </p:nvPr>
         </p:nvSpPr>
-        <p:spPr/>
-        <p:txBody>
-          <a:bodyPr/>
+        <p:spPr>
+          <a:xfrm>
+            <a:off x="1295401" y="2556932"/>
+            <a:ext cx="9601196" cy="3646644"/>
+          </a:xfrm>
+        </p:spPr>
+        <p:txBody>
+          <a:bodyPr>
+            <a:normAutofit/>
+          </a:bodyPr>
           <a:lstStyle/>
           <a:p>
             <a:r>
@@ -6428,7 +6456,7 @@
                 <a:latin typeface="Times New Roman" panose="02020603050405020304" pitchFamily="18" charset="0"/>
                 <a:cs typeface="Times New Roman" panose="02020603050405020304" pitchFamily="18" charset="0"/>
               </a:rPr>
-              <a:t>FSM</a:t>
+              <a:t>Main Controls</a:t>
             </a:r>
           </a:p>
           <a:p>
@@ -6437,17 +6465,27 @@
                 <a:latin typeface="Times New Roman" panose="02020603050405020304" pitchFamily="18" charset="0"/>
                 <a:cs typeface="Times New Roman" panose="02020603050405020304" pitchFamily="18" charset="0"/>
               </a:rPr>
+              <a:t>Sub Controls</a:t>
+            </a:r>
+            <a:endParaRPr lang="en-US" sz="3200" dirty="0" smtClean="0">
+              <a:latin typeface="Times New Roman" panose="02020603050405020304" pitchFamily="18" charset="0"/>
+              <a:cs typeface="Times New Roman" panose="02020603050405020304" pitchFamily="18" charset="0"/>
+            </a:endParaRPr>
+          </a:p>
+          <a:p>
+            <a:r>
+              <a:rPr lang="en-US" sz="3200" dirty="0" smtClean="0">
+                <a:latin typeface="Times New Roman" panose="02020603050405020304" pitchFamily="18" charset="0"/>
+                <a:cs typeface="Times New Roman" panose="02020603050405020304" pitchFamily="18" charset="0"/>
+              </a:rPr>
               <a:t>Memory (SRAM , DRAM)</a:t>
             </a:r>
           </a:p>
           <a:p>
-            <a:r>
-              <a:rPr lang="en-US" sz="3200" dirty="0" smtClean="0">
-                <a:latin typeface="Times New Roman" panose="02020603050405020304" pitchFamily="18" charset="0"/>
-                <a:cs typeface="Times New Roman" panose="02020603050405020304" pitchFamily="18" charset="0"/>
-              </a:rPr>
-              <a:t>Arbiter</a:t>
-            </a:r>
+            <a:endParaRPr lang="en-US" sz="3200" dirty="0" smtClean="0">
+              <a:latin typeface="Times New Roman" panose="02020603050405020304" pitchFamily="18" charset="0"/>
+              <a:cs typeface="Times New Roman" panose="02020603050405020304" pitchFamily="18" charset="0"/>
+            </a:endParaRPr>
           </a:p>
           <a:p>
             <a:pPr marL="0" indent="0">
@@ -6604,24 +6642,35 @@
                 <a:latin typeface="Times New Roman" panose="02020603050405020304" pitchFamily="18" charset="0"/>
                 <a:cs typeface="Times New Roman" panose="02020603050405020304" pitchFamily="18" charset="0"/>
               </a:rPr>
-              <a:t>Dikjstra</a:t>
+              <a:t>Dijkstra</a:t>
             </a:r>
             <a:r>
               <a:rPr lang="en-US" sz="2800" dirty="0" smtClean="0">
                 <a:latin typeface="Times New Roman" panose="02020603050405020304" pitchFamily="18" charset="0"/>
                 <a:cs typeface="Times New Roman" panose="02020603050405020304" pitchFamily="18" charset="0"/>
               </a:rPr>
-              <a:t> algorithm)</a:t>
-            </a:r>
-          </a:p>
-          <a:p>
+              <a:t> </a:t>
+            </a:r>
             <a:r>
               <a:rPr lang="en-US" sz="2800" dirty="0" smtClean="0">
                 <a:latin typeface="Times New Roman" panose="02020603050405020304" pitchFamily="18" charset="0"/>
                 <a:cs typeface="Times New Roman" panose="02020603050405020304" pitchFamily="18" charset="0"/>
               </a:rPr>
-              <a:t>Cache</a:t>
-            </a:r>
+              <a:t>algorithm)</a:t>
+            </a:r>
+          </a:p>
+          <a:p>
+            <a:r>
+              <a:rPr lang="en-US" sz="2800" dirty="0" smtClean="0">
+                <a:latin typeface="Times New Roman" panose="02020603050405020304" pitchFamily="18" charset="0"/>
+                <a:cs typeface="Times New Roman" panose="02020603050405020304" pitchFamily="18" charset="0"/>
+              </a:rPr>
+              <a:t>Cache(CPU Functional block)</a:t>
+            </a:r>
+            <a:endParaRPr lang="en-US" sz="2800" dirty="0" smtClean="0">
+              <a:latin typeface="Times New Roman" panose="02020603050405020304" pitchFamily="18" charset="0"/>
+              <a:cs typeface="Times New Roman" panose="02020603050405020304" pitchFamily="18" charset="0"/>
+            </a:endParaRPr>
           </a:p>
         </p:txBody>
       </p:sp>
@@ -7298,7 +7347,12 @@
             <p:ph idx="1"/>
           </p:nvPr>
         </p:nvSpPr>
-        <p:spPr/>
+        <p:spPr>
+          <a:xfrm>
+            <a:off x="1295401" y="2556932"/>
+            <a:ext cx="9601196" cy="2839821"/>
+          </a:xfrm>
+        </p:spPr>
         <p:txBody>
           <a:bodyPr/>
           <a:lstStyle/>
@@ -7369,7 +7423,14 @@
                 <a:latin typeface="Times New Roman" panose="02020603050405020304" pitchFamily="18" charset="0"/>
                 <a:cs typeface="Times New Roman" panose="02020603050405020304" pitchFamily="18" charset="0"/>
               </a:rPr>
-              <a:t>Mapping from algorithm to digital system</a:t>
+              <a:t>Example of mapping </a:t>
+            </a:r>
+            <a:r>
+              <a:rPr lang="en-CA" dirty="0" smtClean="0">
+                <a:latin typeface="Times New Roman" panose="02020603050405020304" pitchFamily="18" charset="0"/>
+                <a:cs typeface="Times New Roman" panose="02020603050405020304" pitchFamily="18" charset="0"/>
+              </a:rPr>
+              <a:t>from algorithm to digital system</a:t>
             </a:r>
           </a:p>
         </p:txBody>
@@ -7447,7 +7508,7 @@
         <p:spPr>
           <a:xfrm>
             <a:off x="1295401" y="2556932"/>
-            <a:ext cx="9601196" cy="3766230"/>
+            <a:ext cx="9601196" cy="3556997"/>
           </a:xfrm>
         </p:spPr>
         <p:txBody>
@@ -7488,7 +7549,21 @@
                 <a:latin typeface="Times New Roman" panose="02020603050405020304" pitchFamily="18" charset="0"/>
                 <a:cs typeface="Times New Roman" panose="02020603050405020304" pitchFamily="18" charset="0"/>
               </a:rPr>
-              <a:t>Dependence graph for advanced mapping</a:t>
+              <a:t>Dependence graph for </a:t>
+            </a:r>
+            <a:r>
+              <a:rPr lang="en-CA" sz="2800" dirty="0" smtClean="0">
+                <a:latin typeface="Times New Roman" panose="02020603050405020304" pitchFamily="18" charset="0"/>
+                <a:cs typeface="Times New Roman" panose="02020603050405020304" pitchFamily="18" charset="0"/>
+              </a:rPr>
+              <a:t>systolic array </a:t>
+            </a:r>
+            <a:r>
+              <a:rPr lang="en-CA" sz="2800" dirty="0" smtClean="0">
+                <a:latin typeface="Times New Roman" panose="02020603050405020304" pitchFamily="18" charset="0"/>
+                <a:cs typeface="Times New Roman" panose="02020603050405020304" pitchFamily="18" charset="0"/>
+              </a:rPr>
+              <a:t>mapping</a:t>
             </a:r>
           </a:p>
           <a:p>
@@ -7662,6 +7737,282 @@
         </p:nvSpPr>
         <p:spPr/>
         <p:txBody>
+          <a:bodyPr>
+            <a:normAutofit/>
+          </a:bodyPr>
+          <a:lstStyle/>
+          <a:p>
+            <a:r>
+              <a:rPr lang="en-US" dirty="0" smtClean="0"/>
+              <a:t>Advice when implementing HW in HDL</a:t>
+            </a:r>
+            <a:endParaRPr lang="en-CA" dirty="0"/>
+          </a:p>
+        </p:txBody>
+      </p:sp>
+      <p:pic>
+        <p:nvPicPr>
+          <p:cNvPr id="4" name="內容版面配置區 3"/>
+          <p:cNvPicPr>
+            <a:picLocks noGrp="1" noChangeAspect="1"/>
+          </p:cNvPicPr>
+          <p:nvPr>
+            <p:ph idx="1"/>
+          </p:nvPr>
+        </p:nvPicPr>
+        <p:blipFill>
+          <a:blip r:embed="rId2">
+            <a:extLst>
+              <a:ext uri="{28A0092B-C50C-407E-A947-70E740481C1C}">
+                <a14:useLocalDpi xmlns:a14="http://schemas.microsoft.com/office/drawing/2010/main" val="0"/>
+              </a:ext>
+            </a:extLst>
+          </a:blip>
+          <a:stretch>
+            <a:fillRect/>
+          </a:stretch>
+        </p:blipFill>
+        <p:spPr>
+          <a:xfrm>
+            <a:off x="1861845" y="2581836"/>
+            <a:ext cx="8608932" cy="2918128"/>
+          </a:xfrm>
+        </p:spPr>
+      </p:pic>
+      <p:sp>
+        <p:nvSpPr>
+          <p:cNvPr id="5" name="文字方塊 4"/>
+          <p:cNvSpPr txBox="1"/>
+          <p:nvPr/>
+        </p:nvSpPr>
+        <p:spPr>
+          <a:xfrm>
+            <a:off x="1570338" y="5607541"/>
+            <a:ext cx="9568004" cy="661720"/>
+          </a:xfrm>
+          <a:prstGeom prst="rect">
+            <a:avLst/>
+          </a:prstGeom>
+          <a:noFill/>
+        </p:spPr>
+        <p:txBody>
+          <a:bodyPr wrap="none" rtlCol="0">
+            <a:spAutoFit/>
+          </a:bodyPr>
+          <a:lstStyle/>
+          <a:p>
+            <a:pPr marL="0" lvl="1"/>
+            <a:r>
+              <a:rPr lang="en-CA" sz="1900" dirty="0" smtClean="0">
+                <a:latin typeface="Times New Roman" panose="02020603050405020304" pitchFamily="18" charset="0"/>
+                <a:cs typeface="Times New Roman" panose="02020603050405020304" pitchFamily="18" charset="0"/>
+              </a:rPr>
+              <a:t>CH4.10 </a:t>
+            </a:r>
+            <a:r>
+              <a:rPr lang="en-CA" sz="1900" dirty="0">
+                <a:latin typeface="Times New Roman" panose="02020603050405020304" pitchFamily="18" charset="0"/>
+                <a:cs typeface="Times New Roman" panose="02020603050405020304" pitchFamily="18" charset="0"/>
+              </a:rPr>
+              <a:t>Digital Design and Computer Architecture 2</a:t>
+            </a:r>
+            <a:r>
+              <a:rPr lang="en-CA" sz="1900" baseline="30000" dirty="0">
+                <a:latin typeface="Times New Roman" panose="02020603050405020304" pitchFamily="18" charset="0"/>
+                <a:cs typeface="Times New Roman" panose="02020603050405020304" pitchFamily="18" charset="0"/>
+              </a:rPr>
+              <a:t>nd</a:t>
+            </a:r>
+            <a:r>
+              <a:rPr lang="en-CA" sz="1900" dirty="0">
+                <a:latin typeface="Times New Roman" panose="02020603050405020304" pitchFamily="18" charset="0"/>
+                <a:cs typeface="Times New Roman" panose="02020603050405020304" pitchFamily="18" charset="0"/>
+              </a:rPr>
+              <a:t> edition, David Harris, Sarah </a:t>
+            </a:r>
+            <a:r>
+              <a:rPr lang="en-CA" sz="1900" dirty="0" smtClean="0">
+                <a:latin typeface="Times New Roman" panose="02020603050405020304" pitchFamily="18" charset="0"/>
+                <a:cs typeface="Times New Roman" panose="02020603050405020304" pitchFamily="18" charset="0"/>
+              </a:rPr>
+              <a:t>Harris, p225</a:t>
+            </a:r>
+            <a:endParaRPr lang="en-CA" sz="1900" dirty="0">
+              <a:latin typeface="Times New Roman" panose="02020603050405020304" pitchFamily="18" charset="0"/>
+              <a:cs typeface="Times New Roman" panose="02020603050405020304" pitchFamily="18" charset="0"/>
+            </a:endParaRPr>
+          </a:p>
+          <a:p>
+            <a:endParaRPr lang="en-CA" dirty="0"/>
+          </a:p>
+        </p:txBody>
+      </p:sp>
+    </p:spTree>
+    <p:extLst>
+      <p:ext uri="{BB962C8B-B14F-4D97-AF65-F5344CB8AC3E}">
+        <p14:creationId xmlns:p14="http://schemas.microsoft.com/office/powerpoint/2010/main" val="2952518904"/>
+      </p:ext>
+    </p:extLst>
+  </p:cSld>
+  <p:clrMapOvr>
+    <a:masterClrMapping/>
+  </p:clrMapOvr>
+</p:sld>
+</file>
+
+<file path=ppt/slides/slide23.xml><?xml version="1.0" encoding="utf-8"?>
+<p:sld xmlns:a="http://schemas.openxmlformats.org/drawingml/2006/main" xmlns:r="http://schemas.openxmlformats.org/officeDocument/2006/relationships" xmlns:p="http://schemas.openxmlformats.org/presentationml/2006/main">
+  <p:cSld>
+    <p:spTree>
+      <p:nvGrpSpPr>
+        <p:cNvPr id="1" name=""/>
+        <p:cNvGrpSpPr/>
+        <p:nvPr/>
+      </p:nvGrpSpPr>
+      <p:grpSpPr>
+        <a:xfrm>
+          <a:off x="0" y="0"/>
+          <a:ext cx="0" cy="0"/>
+          <a:chOff x="0" y="0"/>
+          <a:chExt cx="0" cy="0"/>
+        </a:xfrm>
+      </p:grpSpPr>
+      <p:sp>
+        <p:nvSpPr>
+          <p:cNvPr id="2" name="標題 1"/>
+          <p:cNvSpPr>
+            <a:spLocks noGrp="1"/>
+          </p:cNvSpPr>
+          <p:nvPr>
+            <p:ph type="title"/>
+          </p:nvPr>
+        </p:nvSpPr>
+        <p:spPr/>
+        <p:txBody>
+          <a:bodyPr/>
+          <a:lstStyle/>
+          <a:p>
+            <a:r>
+              <a:rPr lang="zh-TW" altLang="en-US" dirty="0" smtClean="0"/>
+              <a:t>其他大推學習資源</a:t>
+            </a:r>
+            <a:r>
+              <a:rPr lang="en-US" altLang="zh-TW" dirty="0" smtClean="0"/>
+              <a:t>(</a:t>
+            </a:r>
+            <a:r>
+              <a:rPr lang="zh-TW" altLang="en-US" dirty="0" smtClean="0"/>
+              <a:t>如果有時間</a:t>
+            </a:r>
+            <a:r>
+              <a:rPr lang="en-US" altLang="zh-TW" dirty="0" smtClean="0"/>
+              <a:t>)</a:t>
+            </a:r>
+            <a:endParaRPr lang="en-CA" dirty="0"/>
+          </a:p>
+        </p:txBody>
+      </p:sp>
+      <p:sp>
+        <p:nvSpPr>
+          <p:cNvPr id="3" name="內容版面配置區 2"/>
+          <p:cNvSpPr>
+            <a:spLocks noGrp="1"/>
+          </p:cNvSpPr>
+          <p:nvPr>
+            <p:ph idx="1"/>
+          </p:nvPr>
+        </p:nvSpPr>
+        <p:spPr>
+          <a:xfrm>
+            <a:off x="1358155" y="3496235"/>
+            <a:ext cx="9601196" cy="1223186"/>
+          </a:xfrm>
+        </p:spPr>
+        <p:txBody>
+          <a:bodyPr/>
+          <a:lstStyle/>
+          <a:p>
+            <a:r>
+              <a:rPr lang="en-US" dirty="0" smtClean="0"/>
+              <a:t>NYCU</a:t>
+            </a:r>
+            <a:r>
+              <a:rPr lang="zh-TW" altLang="en-US" dirty="0" smtClean="0"/>
+              <a:t> 數位電路與系統 </a:t>
+            </a:r>
+            <a:r>
+              <a:rPr lang="en-US" altLang="zh-TW" dirty="0" smtClean="0"/>
+              <a:t>2023 by</a:t>
+            </a:r>
+            <a:r>
+              <a:rPr lang="zh-TW" altLang="en-US" dirty="0" smtClean="0"/>
+              <a:t> 張添烜</a:t>
+            </a:r>
+            <a:endParaRPr lang="en-US" altLang="zh-TW" dirty="0" smtClean="0"/>
+          </a:p>
+          <a:p>
+            <a:r>
+              <a:rPr lang="en-US" dirty="0" smtClean="0"/>
+              <a:t>Digital design and Computer architecture by </a:t>
+            </a:r>
+            <a:r>
+              <a:rPr lang="en-US" dirty="0" err="1" smtClean="0"/>
+              <a:t>Onur</a:t>
+            </a:r>
+            <a:r>
+              <a:rPr lang="en-US" dirty="0" smtClean="0"/>
+              <a:t> </a:t>
+            </a:r>
+            <a:r>
+              <a:rPr lang="en-US" dirty="0" err="1" smtClean="0"/>
+              <a:t>Mutlu</a:t>
+            </a:r>
+            <a:endParaRPr lang="en-CA" dirty="0"/>
+          </a:p>
+        </p:txBody>
+      </p:sp>
+    </p:spTree>
+    <p:extLst>
+      <p:ext uri="{BB962C8B-B14F-4D97-AF65-F5344CB8AC3E}">
+        <p14:creationId xmlns:p14="http://schemas.microsoft.com/office/powerpoint/2010/main" val="635856383"/>
+      </p:ext>
+    </p:extLst>
+  </p:cSld>
+  <p:clrMapOvr>
+    <a:masterClrMapping/>
+  </p:clrMapOvr>
+</p:sld>
+</file>
+
+<file path=ppt/slides/slide24.xml><?xml version="1.0" encoding="utf-8"?>
+<p:sld xmlns:a="http://schemas.openxmlformats.org/drawingml/2006/main" xmlns:r="http://schemas.openxmlformats.org/officeDocument/2006/relationships" xmlns:p="http://schemas.openxmlformats.org/presentationml/2006/main">
+  <p:cSld>
+    <p:spTree>
+      <p:nvGrpSpPr>
+        <p:cNvPr id="1" name=""/>
+        <p:cNvGrpSpPr/>
+        <p:nvPr/>
+      </p:nvGrpSpPr>
+      <p:grpSpPr>
+        <a:xfrm>
+          <a:off x="0" y="0"/>
+          <a:ext cx="0" cy="0"/>
+          <a:chOff x="0" y="0"/>
+          <a:chExt cx="0" cy="0"/>
+        </a:xfrm>
+      </p:grpSpPr>
+      <p:sp>
+        <p:nvSpPr>
+          <p:cNvPr id="2" name="標題 1"/>
+          <p:cNvSpPr>
+            <a:spLocks noGrp="1"/>
+          </p:cNvSpPr>
+          <p:nvPr>
+            <p:ph type="title"/>
+          </p:nvPr>
+        </p:nvSpPr>
+        <p:spPr/>
+        <p:txBody>
           <a:bodyPr/>
           <a:lstStyle/>
           <a:p>
@@ -7689,10 +8040,15 @@
             <p:ph idx="1"/>
           </p:nvPr>
         </p:nvSpPr>
-        <p:spPr/>
+        <p:spPr>
+          <a:xfrm>
+            <a:off x="1295401" y="2556932"/>
+            <a:ext cx="9601196" cy="3736292"/>
+          </a:xfrm>
+        </p:spPr>
         <p:txBody>
           <a:bodyPr>
-            <a:normAutofit/>
+            <a:normAutofit lnSpcReduction="10000"/>
           </a:bodyPr>
           <a:lstStyle/>
           <a:p>
@@ -7701,23 +8057,38 @@
               <a:buAutoNum type="arabicPeriod"/>
             </a:pPr>
             <a:r>
-              <a:rPr lang="en-CA" dirty="0" smtClean="0"/>
+              <a:rPr lang="en-CA" sz="1900" dirty="0" smtClean="0">
+                <a:latin typeface="Times New Roman" panose="02020603050405020304" pitchFamily="18" charset="0"/>
+                <a:cs typeface="Times New Roman" panose="02020603050405020304" pitchFamily="18" charset="0"/>
+              </a:rPr>
               <a:t>CH7 &amp; CH9 Michael </a:t>
             </a:r>
             <a:r>
-              <a:rPr lang="en-CA" dirty="0"/>
+              <a:rPr lang="en-CA" sz="1900" dirty="0">
+                <a:latin typeface="Times New Roman" panose="02020603050405020304" pitchFamily="18" charset="0"/>
+                <a:cs typeface="Times New Roman" panose="02020603050405020304" pitchFamily="18" charset="0"/>
+              </a:rPr>
               <a:t>D. </a:t>
             </a:r>
             <a:r>
-              <a:rPr lang="en-CA" dirty="0" err="1"/>
+              <a:rPr lang="en-CA" sz="1900" dirty="0" err="1">
+                <a:latin typeface="Times New Roman" panose="02020603050405020304" pitchFamily="18" charset="0"/>
+                <a:cs typeface="Times New Roman" panose="02020603050405020304" pitchFamily="18" charset="0"/>
+              </a:rPr>
               <a:t>Ciletti</a:t>
             </a:r>
             <a:r>
-              <a:rPr lang="en-CA" dirty="0"/>
+              <a:rPr lang="en-CA" sz="1900" dirty="0">
+                <a:latin typeface="Times New Roman" panose="02020603050405020304" pitchFamily="18" charset="0"/>
+                <a:cs typeface="Times New Roman" panose="02020603050405020304" pitchFamily="18" charset="0"/>
+              </a:rPr>
               <a:t> - Advanced Digital Design With the Verilog HDL (2nd Ed) [OCR]-</a:t>
             </a:r>
             <a:r>
-              <a:rPr lang="en-CA" dirty="0" smtClean="0"/>
+              <a:rPr lang="en-CA" sz="1900" dirty="0" smtClean="0">
+                <a:latin typeface="Times New Roman" panose="02020603050405020304" pitchFamily="18" charset="0"/>
+                <a:cs typeface="Times New Roman" panose="02020603050405020304" pitchFamily="18" charset="0"/>
+              </a:rPr>
               <a:t>Pearson</a:t>
             </a:r>
           </a:p>
@@ -7727,49 +8098,49 @@
               <a:buAutoNum type="arabicPeriod"/>
             </a:pPr>
             <a:r>
-              <a:rPr lang="en-CA" sz="1800" dirty="0" smtClean="0">
+              <a:rPr lang="en-CA" sz="1900" dirty="0" smtClean="0">
                 <a:latin typeface="Times New Roman" panose="02020603050405020304" pitchFamily="18" charset="0"/>
                 <a:cs typeface="Times New Roman" panose="02020603050405020304" pitchFamily="18" charset="0"/>
               </a:rPr>
               <a:t>CH1 Digital </a:t>
             </a:r>
             <a:r>
-              <a:rPr lang="en-CA" sz="1800" dirty="0">
+              <a:rPr lang="en-CA" sz="1900" dirty="0">
                 <a:latin typeface="Times New Roman" panose="02020603050405020304" pitchFamily="18" charset="0"/>
                 <a:cs typeface="Times New Roman" panose="02020603050405020304" pitchFamily="18" charset="0"/>
               </a:rPr>
               <a:t>Design and Computer </a:t>
             </a:r>
             <a:r>
-              <a:rPr lang="en-CA" sz="1800" dirty="0" smtClean="0">
+              <a:rPr lang="en-CA" sz="1900" dirty="0" smtClean="0">
                 <a:latin typeface="Times New Roman" panose="02020603050405020304" pitchFamily="18" charset="0"/>
                 <a:cs typeface="Times New Roman" panose="02020603050405020304" pitchFamily="18" charset="0"/>
               </a:rPr>
               <a:t>Architecture 2</a:t>
             </a:r>
             <a:r>
-              <a:rPr lang="en-CA" sz="1800" baseline="30000" dirty="0" smtClean="0">
+              <a:rPr lang="en-CA" sz="1900" baseline="30000" dirty="0" smtClean="0">
                 <a:latin typeface="Times New Roman" panose="02020603050405020304" pitchFamily="18" charset="0"/>
                 <a:cs typeface="Times New Roman" panose="02020603050405020304" pitchFamily="18" charset="0"/>
               </a:rPr>
               <a:t>nd</a:t>
             </a:r>
             <a:r>
-              <a:rPr lang="en-CA" sz="1800" dirty="0" smtClean="0">
+              <a:rPr lang="en-CA" sz="1900" dirty="0" smtClean="0">
                 <a:latin typeface="Times New Roman" panose="02020603050405020304" pitchFamily="18" charset="0"/>
                 <a:cs typeface="Times New Roman" panose="02020603050405020304" pitchFamily="18" charset="0"/>
               </a:rPr>
               <a:t> edition, David </a:t>
             </a:r>
             <a:r>
-              <a:rPr lang="en-CA" sz="1800" dirty="0">
+              <a:rPr lang="en-CA" sz="1900" dirty="0">
                 <a:latin typeface="Times New Roman" panose="02020603050405020304" pitchFamily="18" charset="0"/>
                 <a:cs typeface="Times New Roman" panose="02020603050405020304" pitchFamily="18" charset="0"/>
               </a:rPr>
               <a:t>H</a:t>
             </a:r>
             <a:r>
-              <a:rPr lang="en-CA" sz="1800" dirty="0" smtClean="0">
+              <a:rPr lang="en-CA" sz="1900" dirty="0" smtClean="0">
                 <a:latin typeface="Times New Roman" panose="02020603050405020304" pitchFamily="18" charset="0"/>
                 <a:cs typeface="Times New Roman" panose="02020603050405020304" pitchFamily="18" charset="0"/>
               </a:rPr>
@@ -7782,7 +8153,10 @@
               <a:buAutoNum type="arabicPeriod"/>
             </a:pPr>
             <a:r>
-              <a:rPr lang="en-CA" dirty="0" smtClean="0"/>
+              <a:rPr lang="en-CA" sz="1900" dirty="0" smtClean="0">
+                <a:latin typeface="Times New Roman" panose="02020603050405020304" pitchFamily="18" charset="0"/>
+                <a:cs typeface="Times New Roman" panose="02020603050405020304" pitchFamily="18" charset="0"/>
+              </a:rPr>
               <a:t>Lecture notes, MIT 6.375 complex digital systems</a:t>
             </a:r>
           </a:p>
@@ -7792,15 +8166,24 @@
               <a:buAutoNum type="arabicPeriod"/>
             </a:pPr>
             <a:r>
-              <a:rPr lang="en-CA" dirty="0" smtClean="0"/>
+              <a:rPr lang="en-CA" sz="1900" dirty="0" smtClean="0">
+                <a:latin typeface="Times New Roman" panose="02020603050405020304" pitchFamily="18" charset="0"/>
+                <a:cs typeface="Times New Roman" panose="02020603050405020304" pitchFamily="18" charset="0"/>
+              </a:rPr>
               <a:t>Lecture notes, MIT 6.004, Computation structures| </a:t>
             </a:r>
             <a:r>
-              <a:rPr lang="en-CA" dirty="0"/>
+              <a:rPr lang="en-CA" sz="1900" dirty="0">
+                <a:latin typeface="Times New Roman" panose="02020603050405020304" pitchFamily="18" charset="0"/>
+                <a:cs typeface="Times New Roman" panose="02020603050405020304" pitchFamily="18" charset="0"/>
+              </a:rPr>
               <a:t>Spring 2017 | </a:t>
             </a:r>
             <a:r>
-              <a:rPr lang="en-CA" dirty="0" smtClean="0"/>
+              <a:rPr lang="en-CA" sz="1900" dirty="0" smtClean="0">
+                <a:latin typeface="Times New Roman" panose="02020603050405020304" pitchFamily="18" charset="0"/>
+                <a:cs typeface="Times New Roman" panose="02020603050405020304" pitchFamily="18" charset="0"/>
+              </a:rPr>
               <a:t>Undergraduate</a:t>
             </a:r>
           </a:p>
@@ -7810,61 +8193,210 @@
               <a:buAutoNum type="arabicPeriod"/>
             </a:pPr>
             <a:r>
-              <a:rPr lang="en-CA" dirty="0">
+              <a:rPr lang="en-CA" sz="1900" dirty="0">
                 <a:latin typeface="Times New Roman" panose="02020603050405020304" pitchFamily="18" charset="0"/>
                 <a:cs typeface="Times New Roman" panose="02020603050405020304" pitchFamily="18" charset="0"/>
               </a:rPr>
               <a:t>Lecture 1: Introduction and </a:t>
             </a:r>
             <a:r>
-              <a:rPr lang="en-CA" dirty="0" smtClean="0">
+              <a:rPr lang="en-CA" sz="1900" dirty="0" smtClean="0">
                 <a:latin typeface="Times New Roman" panose="02020603050405020304" pitchFamily="18" charset="0"/>
                 <a:cs typeface="Times New Roman" panose="02020603050405020304" pitchFamily="18" charset="0"/>
               </a:rPr>
               <a:t>Basics, Digital </a:t>
             </a:r>
             <a:r>
-              <a:rPr lang="en-CA" dirty="0">
+              <a:rPr lang="en-CA" sz="1900" dirty="0">
                 <a:latin typeface="Times New Roman" panose="02020603050405020304" pitchFamily="18" charset="0"/>
                 <a:cs typeface="Times New Roman" panose="02020603050405020304" pitchFamily="18" charset="0"/>
               </a:rPr>
               <a:t>Design and Computer </a:t>
             </a:r>
             <a:r>
-              <a:rPr lang="en-CA" dirty="0" smtClean="0">
+              <a:rPr lang="en-CA" sz="1900" dirty="0" smtClean="0">
                 <a:latin typeface="Times New Roman" panose="02020603050405020304" pitchFamily="18" charset="0"/>
                 <a:cs typeface="Times New Roman" panose="02020603050405020304" pitchFamily="18" charset="0"/>
               </a:rPr>
               <a:t>Architecture Spring 2022, </a:t>
             </a:r>
             <a:r>
-              <a:rPr lang="en-CA" dirty="0" err="1" smtClean="0">
+              <a:rPr lang="en-CA" sz="1900" dirty="0" err="1" smtClean="0">
                 <a:latin typeface="Times New Roman" panose="02020603050405020304" pitchFamily="18" charset="0"/>
                 <a:cs typeface="Times New Roman" panose="02020603050405020304" pitchFamily="18" charset="0"/>
               </a:rPr>
               <a:t>Onur</a:t>
             </a:r>
             <a:r>
-              <a:rPr lang="en-CA" dirty="0" smtClean="0">
+              <a:rPr lang="en-CA" sz="1900" dirty="0" smtClean="0">
                 <a:latin typeface="Times New Roman" panose="02020603050405020304" pitchFamily="18" charset="0"/>
                 <a:cs typeface="Times New Roman" panose="02020603050405020304" pitchFamily="18" charset="0"/>
               </a:rPr>
               <a:t> </a:t>
             </a:r>
             <a:r>
-              <a:rPr lang="en-CA" dirty="0" err="1" smtClean="0">
+              <a:rPr lang="en-CA" sz="1900" dirty="0" err="1" smtClean="0">
                 <a:latin typeface="Times New Roman" panose="02020603050405020304" pitchFamily="18" charset="0"/>
                 <a:cs typeface="Times New Roman" panose="02020603050405020304" pitchFamily="18" charset="0"/>
               </a:rPr>
               <a:t>Mutlu</a:t>
             </a:r>
             <a:r>
-              <a:rPr lang="en-CA" dirty="0" smtClean="0">
+              <a:rPr lang="en-CA" sz="1900" dirty="0" smtClean="0">
                 <a:latin typeface="Times New Roman" panose="02020603050405020304" pitchFamily="18" charset="0"/>
                 <a:cs typeface="Times New Roman" panose="02020603050405020304" pitchFamily="18" charset="0"/>
               </a:rPr>
               <a:t> </a:t>
             </a:r>
+            <a:endParaRPr lang="en-CA" sz="1900" dirty="0" smtClean="0">
+              <a:latin typeface="Times New Roman" panose="02020603050405020304" pitchFamily="18" charset="0"/>
+              <a:cs typeface="Times New Roman" panose="02020603050405020304" pitchFamily="18" charset="0"/>
+            </a:endParaRPr>
+          </a:p>
+          <a:p>
+            <a:pPr marL="914400" lvl="1" indent="-457200">
+              <a:buFont typeface="Arial"/>
+              <a:buAutoNum type="arabicPeriod"/>
+            </a:pPr>
+            <a:r>
+              <a:rPr lang="en-CA" sz="1900" dirty="0">
+                <a:latin typeface="Times New Roman" panose="02020603050405020304" pitchFamily="18" charset="0"/>
+                <a:cs typeface="Times New Roman" panose="02020603050405020304" pitchFamily="18" charset="0"/>
+              </a:rPr>
+              <a:t>Lecture </a:t>
+            </a:r>
+            <a:r>
+              <a:rPr lang="en-CA" sz="1900" dirty="0" smtClean="0">
+                <a:latin typeface="Times New Roman" panose="02020603050405020304" pitchFamily="18" charset="0"/>
+                <a:cs typeface="Times New Roman" panose="02020603050405020304" pitchFamily="18" charset="0"/>
+              </a:rPr>
+              <a:t>7: </a:t>
+            </a:r>
+            <a:r>
+              <a:rPr lang="en-CA" sz="1900" dirty="0">
+                <a:latin typeface="Times New Roman" panose="02020603050405020304" pitchFamily="18" charset="0"/>
+                <a:cs typeface="Times New Roman" panose="02020603050405020304" pitchFamily="18" charset="0"/>
+              </a:rPr>
+              <a:t>Hardware Description Languages and </a:t>
+            </a:r>
+            <a:r>
+              <a:rPr lang="en-CA" sz="1900" dirty="0" smtClean="0">
+                <a:latin typeface="Times New Roman" panose="02020603050405020304" pitchFamily="18" charset="0"/>
+                <a:cs typeface="Times New Roman" panose="02020603050405020304" pitchFamily="18" charset="0"/>
+              </a:rPr>
+              <a:t>Verilog, </a:t>
+            </a:r>
+            <a:r>
+              <a:rPr lang="en-CA" sz="1900" dirty="0">
+                <a:latin typeface="Times New Roman" panose="02020603050405020304" pitchFamily="18" charset="0"/>
+                <a:cs typeface="Times New Roman" panose="02020603050405020304" pitchFamily="18" charset="0"/>
+              </a:rPr>
+              <a:t>Digital Design and Computer Architecture Spring 2022, </a:t>
+            </a:r>
+            <a:r>
+              <a:rPr lang="en-CA" sz="1900" dirty="0" err="1">
+                <a:latin typeface="Times New Roman" panose="02020603050405020304" pitchFamily="18" charset="0"/>
+                <a:cs typeface="Times New Roman" panose="02020603050405020304" pitchFamily="18" charset="0"/>
+              </a:rPr>
+              <a:t>Onur</a:t>
+            </a:r>
+            <a:r>
+              <a:rPr lang="en-CA" sz="1900" dirty="0">
+                <a:latin typeface="Times New Roman" panose="02020603050405020304" pitchFamily="18" charset="0"/>
+                <a:cs typeface="Times New Roman" panose="02020603050405020304" pitchFamily="18" charset="0"/>
+              </a:rPr>
+              <a:t> </a:t>
+            </a:r>
+            <a:r>
+              <a:rPr lang="en-CA" sz="1900" dirty="0" err="1">
+                <a:latin typeface="Times New Roman" panose="02020603050405020304" pitchFamily="18" charset="0"/>
+                <a:cs typeface="Times New Roman" panose="02020603050405020304" pitchFamily="18" charset="0"/>
+              </a:rPr>
+              <a:t>Mutlu</a:t>
+            </a:r>
+            <a:r>
+              <a:rPr lang="en-CA" sz="1900" dirty="0">
+                <a:latin typeface="Times New Roman" panose="02020603050405020304" pitchFamily="18" charset="0"/>
+                <a:cs typeface="Times New Roman" panose="02020603050405020304" pitchFamily="18" charset="0"/>
+              </a:rPr>
+              <a:t> </a:t>
+            </a:r>
+            <a:endParaRPr lang="en-CA" sz="1900" dirty="0" smtClean="0">
+              <a:latin typeface="Times New Roman" panose="02020603050405020304" pitchFamily="18" charset="0"/>
+              <a:cs typeface="Times New Roman" panose="02020603050405020304" pitchFamily="18" charset="0"/>
+            </a:endParaRPr>
+          </a:p>
+          <a:p>
+            <a:pPr marL="914400" lvl="1" indent="-457200">
+              <a:buFont typeface="Arial"/>
+              <a:buAutoNum type="arabicPeriod"/>
+            </a:pPr>
+            <a:r>
+              <a:rPr lang="en-US" altLang="zh-TW" sz="1900" dirty="0" smtClean="0">
+                <a:latin typeface="Times New Roman" panose="02020603050405020304" pitchFamily="18" charset="0"/>
+                <a:cs typeface="Times New Roman" panose="02020603050405020304" pitchFamily="18" charset="0"/>
+              </a:rPr>
+              <a:t>NYCU </a:t>
+            </a:r>
+            <a:r>
+              <a:rPr lang="zh-TW" altLang="en-US" sz="1900" dirty="0" smtClean="0">
+                <a:latin typeface="Times New Roman" panose="02020603050405020304" pitchFamily="18" charset="0"/>
+                <a:cs typeface="Times New Roman" panose="02020603050405020304" pitchFamily="18" charset="0"/>
+              </a:rPr>
+              <a:t>數位電路與系統 </a:t>
+            </a:r>
+            <a:r>
+              <a:rPr lang="en-US" altLang="zh-TW" sz="1900" dirty="0" smtClean="0">
+                <a:latin typeface="Times New Roman" panose="02020603050405020304" pitchFamily="18" charset="0"/>
+                <a:cs typeface="Times New Roman" panose="02020603050405020304" pitchFamily="18" charset="0"/>
+              </a:rPr>
+              <a:t>2023</a:t>
+            </a:r>
+            <a:r>
+              <a:rPr lang="zh-TW" altLang="en-US" sz="1900" dirty="0" smtClean="0">
+                <a:latin typeface="Times New Roman" panose="02020603050405020304" pitchFamily="18" charset="0"/>
+                <a:cs typeface="Times New Roman" panose="02020603050405020304" pitchFamily="18" charset="0"/>
+              </a:rPr>
+              <a:t>講義 </a:t>
+            </a:r>
+            <a:r>
+              <a:rPr lang="en-US" altLang="zh-TW" sz="1900" dirty="0" smtClean="0">
+                <a:latin typeface="Times New Roman" panose="02020603050405020304" pitchFamily="18" charset="0"/>
+                <a:cs typeface="Times New Roman" panose="02020603050405020304" pitchFamily="18" charset="0"/>
+              </a:rPr>
+              <a:t>,</a:t>
+            </a:r>
+            <a:r>
+              <a:rPr lang="zh-TW" altLang="en-US" sz="1900" dirty="0" smtClean="0">
+                <a:latin typeface="Times New Roman" panose="02020603050405020304" pitchFamily="18" charset="0"/>
+                <a:cs typeface="Times New Roman" panose="02020603050405020304" pitchFamily="18" charset="0"/>
+              </a:rPr>
+              <a:t> 張添烜</a:t>
+            </a:r>
+            <a:endParaRPr lang="en-CA" sz="1900" dirty="0">
+              <a:latin typeface="Times New Roman" panose="02020603050405020304" pitchFamily="18" charset="0"/>
+              <a:cs typeface="Times New Roman" panose="02020603050405020304" pitchFamily="18" charset="0"/>
+            </a:endParaRPr>
+          </a:p>
+          <a:p>
+            <a:pPr marL="914400" lvl="1" indent="-457200">
+              <a:buFont typeface="Arial"/>
+              <a:buAutoNum type="arabicPeriod"/>
+            </a:pPr>
+            <a:endParaRPr lang="en-CA" dirty="0" smtClean="0">
+              <a:latin typeface="Times New Roman" panose="02020603050405020304" pitchFamily="18" charset="0"/>
+              <a:cs typeface="Times New Roman" panose="02020603050405020304" pitchFamily="18" charset="0"/>
+            </a:endParaRPr>
+          </a:p>
+          <a:p>
+            <a:pPr marL="914400" lvl="1" indent="-457200">
+              <a:buFont typeface="Arial"/>
+              <a:buAutoNum type="arabicPeriod"/>
+            </a:pPr>
+            <a:endParaRPr lang="en-CA" dirty="0" smtClean="0">
+              <a:latin typeface="Times New Roman" panose="02020603050405020304" pitchFamily="18" charset="0"/>
+              <a:cs typeface="Times New Roman" panose="02020603050405020304" pitchFamily="18" charset="0"/>
+            </a:endParaRPr>
           </a:p>
           <a:p>
             <a:pPr marL="914400" lvl="1" indent="-457200">
